--- a/修論/本文0117/figure/fig_3_1_broadcontact_modal_gain.pptx
+++ b/修論/本文0117/figure/fig_3_1_broadcontact_modal_gain.pptx
@@ -6,6 +6,7 @@
   </p:sldMasterIdLst>
   <p:sldIdLst>
     <p:sldId id="256" r:id="rId2"/>
+    <p:sldId id="257" r:id="rId3"/>
   </p:sldIdLst>
   <p:sldSz cx="12192000" cy="6858000"/>
   <p:notesSz cx="6858000" cy="9144000"/>
@@ -270,7 +271,7 @@
           <a:p>
             <a:fld id="{7B2C231C-A4B7-694E-AAA8-A398016C186A}" type="datetimeFigureOut">
               <a:rPr kumimoji="1" lang="ja-JP" altLang="en-US" smtClean="0"/>
-              <a:t>2019/1/4</a:t>
+              <a:t>2019/1/30</a:t>
             </a:fld>
             <a:endParaRPr kumimoji="1" lang="ja-JP" altLang="en-US"/>
           </a:p>
@@ -475,7 +476,7 @@
           <a:p>
             <a:fld id="{7B2C231C-A4B7-694E-AAA8-A398016C186A}" type="datetimeFigureOut">
               <a:rPr kumimoji="1" lang="ja-JP" altLang="en-US" smtClean="0"/>
-              <a:t>2019/1/4</a:t>
+              <a:t>2019/1/30</a:t>
             </a:fld>
             <a:endParaRPr kumimoji="1" lang="ja-JP" altLang="en-US"/>
           </a:p>
@@ -690,7 +691,7 @@
           <a:p>
             <a:fld id="{7B2C231C-A4B7-694E-AAA8-A398016C186A}" type="datetimeFigureOut">
               <a:rPr kumimoji="1" lang="ja-JP" altLang="en-US" smtClean="0"/>
-              <a:t>2019/1/4</a:t>
+              <a:t>2019/1/30</a:t>
             </a:fld>
             <a:endParaRPr kumimoji="1" lang="ja-JP" altLang="en-US"/>
           </a:p>
@@ -895,7 +896,7 @@
           <a:p>
             <a:fld id="{7B2C231C-A4B7-694E-AAA8-A398016C186A}" type="datetimeFigureOut">
               <a:rPr kumimoji="1" lang="ja-JP" altLang="en-US" smtClean="0"/>
-              <a:t>2019/1/4</a:t>
+              <a:t>2019/1/30</a:t>
             </a:fld>
             <a:endParaRPr kumimoji="1" lang="ja-JP" altLang="en-US"/>
           </a:p>
@@ -1205,7 +1206,7 @@
           <a:p>
             <a:fld id="{7B2C231C-A4B7-694E-AAA8-A398016C186A}" type="datetimeFigureOut">
               <a:rPr kumimoji="1" lang="ja-JP" altLang="en-US" smtClean="0"/>
-              <a:t>2019/1/4</a:t>
+              <a:t>2019/1/30</a:t>
             </a:fld>
             <a:endParaRPr kumimoji="1" lang="ja-JP" altLang="en-US"/>
           </a:p>
@@ -1484,7 +1485,7 @@
           <a:p>
             <a:fld id="{7B2C231C-A4B7-694E-AAA8-A398016C186A}" type="datetimeFigureOut">
               <a:rPr kumimoji="1" lang="ja-JP" altLang="en-US" smtClean="0"/>
-              <a:t>2019/1/4</a:t>
+              <a:t>2019/1/30</a:t>
             </a:fld>
             <a:endParaRPr kumimoji="1" lang="ja-JP" altLang="en-US"/>
           </a:p>
@@ -1980,7 +1981,7 @@
           <a:p>
             <a:fld id="{7B2C231C-A4B7-694E-AAA8-A398016C186A}" type="datetimeFigureOut">
               <a:rPr kumimoji="1" lang="ja-JP" altLang="en-US" smtClean="0"/>
-              <a:t>2019/1/4</a:t>
+              <a:t>2019/1/30</a:t>
             </a:fld>
             <a:endParaRPr kumimoji="1" lang="ja-JP" altLang="en-US"/>
           </a:p>
@@ -2121,7 +2122,7 @@
           <a:p>
             <a:fld id="{7B2C231C-A4B7-694E-AAA8-A398016C186A}" type="datetimeFigureOut">
               <a:rPr kumimoji="1" lang="ja-JP" altLang="en-US" smtClean="0"/>
-              <a:t>2019/1/4</a:t>
+              <a:t>2019/1/30</a:t>
             </a:fld>
             <a:endParaRPr kumimoji="1" lang="ja-JP" altLang="en-US"/>
           </a:p>
@@ -2234,7 +2235,7 @@
           <a:p>
             <a:fld id="{7B2C231C-A4B7-694E-AAA8-A398016C186A}" type="datetimeFigureOut">
               <a:rPr kumimoji="1" lang="ja-JP" altLang="en-US" smtClean="0"/>
-              <a:t>2019/1/4</a:t>
+              <a:t>2019/1/30</a:t>
             </a:fld>
             <a:endParaRPr kumimoji="1" lang="ja-JP" altLang="en-US"/>
           </a:p>
@@ -2587,7 +2588,7 @@
           <a:p>
             <a:fld id="{7B2C231C-A4B7-694E-AAA8-A398016C186A}" type="datetimeFigureOut">
               <a:rPr kumimoji="1" lang="ja-JP" altLang="en-US" smtClean="0"/>
-              <a:t>2019/1/4</a:t>
+              <a:t>2019/1/30</a:t>
             </a:fld>
             <a:endParaRPr kumimoji="1" lang="ja-JP" altLang="en-US"/>
           </a:p>
@@ -2910,7 +2911,7 @@
           <a:p>
             <a:fld id="{7B2C231C-A4B7-694E-AAA8-A398016C186A}" type="datetimeFigureOut">
               <a:rPr kumimoji="1" lang="ja-JP" altLang="en-US" smtClean="0"/>
-              <a:t>2019/1/4</a:t>
+              <a:t>2019/1/30</a:t>
             </a:fld>
             <a:endParaRPr kumimoji="1" lang="ja-JP" altLang="en-US"/>
           </a:p>
@@ -3158,7 +3159,7 @@
           <a:p>
             <a:fld id="{7B2C231C-A4B7-694E-AAA8-A398016C186A}" type="datetimeFigureOut">
               <a:rPr kumimoji="1" lang="ja-JP" altLang="en-US" smtClean="0"/>
-              <a:t>2019/1/4</a:t>
+              <a:t>2019/1/30</a:t>
             </a:fld>
             <a:endParaRPr kumimoji="1" lang="ja-JP" altLang="en-US"/>
           </a:p>
@@ -3618,6 +3619,101 @@
 </p:sld>
 </file>
 
+<file path=ppt/slides/slide2.xml><?xml version="1.0" encoding="utf-8"?>
+<p:sld xmlns:a="http://schemas.openxmlformats.org/drawingml/2006/main" xmlns:r="http://schemas.openxmlformats.org/officeDocument/2006/relationships" xmlns:p="http://schemas.openxmlformats.org/presentationml/2006/main">
+  <p:cSld>
+    <p:spTree>
+      <p:nvGrpSpPr>
+        <p:cNvPr id="1" name=""/>
+        <p:cNvGrpSpPr/>
+        <p:nvPr/>
+      </p:nvGrpSpPr>
+      <p:grpSpPr>
+        <a:xfrm>
+          <a:off x="0" y="0"/>
+          <a:ext cx="0" cy="0"/>
+          <a:chOff x="0" y="0"/>
+          <a:chExt cx="0" cy="0"/>
+        </a:xfrm>
+      </p:grpSpPr>
+      <p:pic>
+        <p:nvPicPr>
+          <p:cNvPr id="4" name="図 3">
+            <a:extLst>
+              <a:ext uri="{FF2B5EF4-FFF2-40B4-BE49-F238E27FC236}">
+                <a16:creationId xmlns:a16="http://schemas.microsoft.com/office/drawing/2014/main" id="{96B21B95-7E63-492C-8164-440DC43F7406}"/>
+              </a:ext>
+            </a:extLst>
+          </p:cNvPr>
+          <p:cNvPicPr>
+            <a:picLocks noChangeAspect="1"/>
+          </p:cNvPicPr>
+          <p:nvPr/>
+        </p:nvPicPr>
+        <p:blipFill>
+          <a:blip r:embed="rId2"/>
+          <a:stretch>
+            <a:fillRect/>
+          </a:stretch>
+        </p:blipFill>
+        <p:spPr>
+          <a:xfrm>
+            <a:off x="3733332" y="1691542"/>
+            <a:ext cx="4725335" cy="3474916"/>
+          </a:xfrm>
+          <a:prstGeom prst="rect">
+            <a:avLst/>
+          </a:prstGeom>
+        </p:spPr>
+      </p:pic>
+      <p:sp>
+        <p:nvSpPr>
+          <p:cNvPr id="5" name="テキスト ボックス 4">
+            <a:extLst>
+              <a:ext uri="{FF2B5EF4-FFF2-40B4-BE49-F238E27FC236}">
+                <a16:creationId xmlns:a16="http://schemas.microsoft.com/office/drawing/2014/main" id="{B79D5B60-0A8D-4B14-BBAF-D1E6BA7A08B7}"/>
+              </a:ext>
+            </a:extLst>
+          </p:cNvPr>
+          <p:cNvSpPr txBox="1"/>
+          <p:nvPr/>
+        </p:nvSpPr>
+        <p:spPr>
+          <a:xfrm>
+            <a:off x="2506133" y="635000"/>
+            <a:ext cx="1659467" cy="1200329"/>
+          </a:xfrm>
+          <a:prstGeom prst="rect">
+            <a:avLst/>
+          </a:prstGeom>
+          <a:noFill/>
+        </p:spPr>
+        <p:txBody>
+          <a:bodyPr wrap="square" rtlCol="0">
+            <a:spAutoFit/>
+          </a:bodyPr>
+          <a:lstStyle/>
+          <a:p>
+            <a:r>
+              <a:rPr kumimoji="1" lang="ja-JP" altLang="en-US" dirty="0"/>
+              <a:t>３ＱＷをｗ３０から３００までに変えたもの</a:t>
+            </a:r>
+          </a:p>
+        </p:txBody>
+      </p:sp>
+    </p:spTree>
+    <p:extLst>
+      <p:ext uri="{BB962C8B-B14F-4D97-AF65-F5344CB8AC3E}">
+        <p14:creationId xmlns:p14="http://schemas.microsoft.com/office/powerpoint/2010/main" val="3520564272"/>
+      </p:ext>
+    </p:extLst>
+  </p:cSld>
+  <p:clrMapOvr>
+    <a:masterClrMapping/>
+  </p:clrMapOvr>
+</p:sld>
+</file>
+
 <file path=ppt/theme/theme1.xml><?xml version="1.0" encoding="utf-8"?>
 <a:theme xmlns:a="http://schemas.openxmlformats.org/drawingml/2006/main" name="Office テーマ">
   <a:themeElements>

--- a/修論/本文0117/figure/fig_3_1_broadcontact_modal_gain.pptx
+++ b/修論/本文0117/figure/fig_3_1_broadcontact_modal_gain.pptx
@@ -7,6 +7,7 @@
   <p:sldIdLst>
     <p:sldId id="256" r:id="rId2"/>
     <p:sldId id="257" r:id="rId3"/>
+    <p:sldId id="258" r:id="rId4"/>
   </p:sldIdLst>
   <p:sldSz cx="12192000" cy="6858000"/>
   <p:notesSz cx="6858000" cy="9144000"/>
@@ -271,7 +272,7 @@
           <a:p>
             <a:fld id="{7B2C231C-A4B7-694E-AAA8-A398016C186A}" type="datetimeFigureOut">
               <a:rPr kumimoji="1" lang="ja-JP" altLang="en-US" smtClean="0"/>
-              <a:t>2019/1/30</a:t>
+              <a:t>2019/1/31</a:t>
             </a:fld>
             <a:endParaRPr kumimoji="1" lang="ja-JP" altLang="en-US"/>
           </a:p>
@@ -476,7 +477,7 @@
           <a:p>
             <a:fld id="{7B2C231C-A4B7-694E-AAA8-A398016C186A}" type="datetimeFigureOut">
               <a:rPr kumimoji="1" lang="ja-JP" altLang="en-US" smtClean="0"/>
-              <a:t>2019/1/30</a:t>
+              <a:t>2019/1/31</a:t>
             </a:fld>
             <a:endParaRPr kumimoji="1" lang="ja-JP" altLang="en-US"/>
           </a:p>
@@ -691,7 +692,7 @@
           <a:p>
             <a:fld id="{7B2C231C-A4B7-694E-AAA8-A398016C186A}" type="datetimeFigureOut">
               <a:rPr kumimoji="1" lang="ja-JP" altLang="en-US" smtClean="0"/>
-              <a:t>2019/1/30</a:t>
+              <a:t>2019/1/31</a:t>
             </a:fld>
             <a:endParaRPr kumimoji="1" lang="ja-JP" altLang="en-US"/>
           </a:p>
@@ -896,7 +897,7 @@
           <a:p>
             <a:fld id="{7B2C231C-A4B7-694E-AAA8-A398016C186A}" type="datetimeFigureOut">
               <a:rPr kumimoji="1" lang="ja-JP" altLang="en-US" smtClean="0"/>
-              <a:t>2019/1/30</a:t>
+              <a:t>2019/1/31</a:t>
             </a:fld>
             <a:endParaRPr kumimoji="1" lang="ja-JP" altLang="en-US"/>
           </a:p>
@@ -1206,7 +1207,7 @@
           <a:p>
             <a:fld id="{7B2C231C-A4B7-694E-AAA8-A398016C186A}" type="datetimeFigureOut">
               <a:rPr kumimoji="1" lang="ja-JP" altLang="en-US" smtClean="0"/>
-              <a:t>2019/1/30</a:t>
+              <a:t>2019/1/31</a:t>
             </a:fld>
             <a:endParaRPr kumimoji="1" lang="ja-JP" altLang="en-US"/>
           </a:p>
@@ -1485,7 +1486,7 @@
           <a:p>
             <a:fld id="{7B2C231C-A4B7-694E-AAA8-A398016C186A}" type="datetimeFigureOut">
               <a:rPr kumimoji="1" lang="ja-JP" altLang="en-US" smtClean="0"/>
-              <a:t>2019/1/30</a:t>
+              <a:t>2019/1/31</a:t>
             </a:fld>
             <a:endParaRPr kumimoji="1" lang="ja-JP" altLang="en-US"/>
           </a:p>
@@ -1981,7 +1982,7 @@
           <a:p>
             <a:fld id="{7B2C231C-A4B7-694E-AAA8-A398016C186A}" type="datetimeFigureOut">
               <a:rPr kumimoji="1" lang="ja-JP" altLang="en-US" smtClean="0"/>
-              <a:t>2019/1/30</a:t>
+              <a:t>2019/1/31</a:t>
             </a:fld>
             <a:endParaRPr kumimoji="1" lang="ja-JP" altLang="en-US"/>
           </a:p>
@@ -2122,7 +2123,7 @@
           <a:p>
             <a:fld id="{7B2C231C-A4B7-694E-AAA8-A398016C186A}" type="datetimeFigureOut">
               <a:rPr kumimoji="1" lang="ja-JP" altLang="en-US" smtClean="0"/>
-              <a:t>2019/1/30</a:t>
+              <a:t>2019/1/31</a:t>
             </a:fld>
             <a:endParaRPr kumimoji="1" lang="ja-JP" altLang="en-US"/>
           </a:p>
@@ -2235,7 +2236,7 @@
           <a:p>
             <a:fld id="{7B2C231C-A4B7-694E-AAA8-A398016C186A}" type="datetimeFigureOut">
               <a:rPr kumimoji="1" lang="ja-JP" altLang="en-US" smtClean="0"/>
-              <a:t>2019/1/30</a:t>
+              <a:t>2019/1/31</a:t>
             </a:fld>
             <a:endParaRPr kumimoji="1" lang="ja-JP" altLang="en-US"/>
           </a:p>
@@ -2588,7 +2589,7 @@
           <a:p>
             <a:fld id="{7B2C231C-A4B7-694E-AAA8-A398016C186A}" type="datetimeFigureOut">
               <a:rPr kumimoji="1" lang="ja-JP" altLang="en-US" smtClean="0"/>
-              <a:t>2019/1/30</a:t>
+              <a:t>2019/1/31</a:t>
             </a:fld>
             <a:endParaRPr kumimoji="1" lang="ja-JP" altLang="en-US"/>
           </a:p>
@@ -2911,7 +2912,7 @@
           <a:p>
             <a:fld id="{7B2C231C-A4B7-694E-AAA8-A398016C186A}" type="datetimeFigureOut">
               <a:rPr kumimoji="1" lang="ja-JP" altLang="en-US" smtClean="0"/>
-              <a:t>2019/1/30</a:t>
+              <a:t>2019/1/31</a:t>
             </a:fld>
             <a:endParaRPr kumimoji="1" lang="ja-JP" altLang="en-US"/>
           </a:p>
@@ -3159,7 +3160,7 @@
           <a:p>
             <a:fld id="{7B2C231C-A4B7-694E-AAA8-A398016C186A}" type="datetimeFigureOut">
               <a:rPr kumimoji="1" lang="ja-JP" altLang="en-US" smtClean="0"/>
-              <a:t>2019/1/30</a:t>
+              <a:t>2019/1/31</a:t>
             </a:fld>
             <a:endParaRPr kumimoji="1" lang="ja-JP" altLang="en-US"/>
           </a:p>
@@ -3714,6 +3715,109 @@
 </p:sld>
 </file>
 
+<file path=ppt/slides/slide3.xml><?xml version="1.0" encoding="utf-8"?>
+<p:sld xmlns:a="http://schemas.openxmlformats.org/drawingml/2006/main" xmlns:r="http://schemas.openxmlformats.org/officeDocument/2006/relationships" xmlns:p="http://schemas.openxmlformats.org/presentationml/2006/main">
+  <p:cSld>
+    <p:spTree>
+      <p:nvGrpSpPr>
+        <p:cNvPr id="1" name=""/>
+        <p:cNvGrpSpPr/>
+        <p:nvPr/>
+      </p:nvGrpSpPr>
+      <p:grpSpPr>
+        <a:xfrm>
+          <a:off x="0" y="0"/>
+          <a:ext cx="0" cy="0"/>
+          <a:chOff x="0" y="0"/>
+          <a:chExt cx="0" cy="0"/>
+        </a:xfrm>
+      </p:grpSpPr>
+      <p:pic>
+        <p:nvPicPr>
+          <p:cNvPr id="4" name="図 3">
+            <a:extLst>
+              <a:ext uri="{FF2B5EF4-FFF2-40B4-BE49-F238E27FC236}">
+                <a16:creationId xmlns:a16="http://schemas.microsoft.com/office/drawing/2014/main" id="{787CDB04-26D3-4A17-B787-8E4F970BD11D}"/>
+              </a:ext>
+            </a:extLst>
+          </p:cNvPr>
+          <p:cNvPicPr>
+            <a:picLocks noChangeAspect="1"/>
+          </p:cNvPicPr>
+          <p:nvPr/>
+        </p:nvPicPr>
+        <p:blipFill>
+          <a:blip r:embed="rId2"/>
+          <a:stretch>
+            <a:fillRect/>
+          </a:stretch>
+        </p:blipFill>
+        <p:spPr>
+          <a:xfrm>
+            <a:off x="3733332" y="1691542"/>
+            <a:ext cx="4725335" cy="3474916"/>
+          </a:xfrm>
+          <a:prstGeom prst="rect">
+            <a:avLst/>
+          </a:prstGeom>
+        </p:spPr>
+      </p:pic>
+      <p:sp>
+        <p:nvSpPr>
+          <p:cNvPr id="5" name="テキスト ボックス 4">
+            <a:extLst>
+              <a:ext uri="{FF2B5EF4-FFF2-40B4-BE49-F238E27FC236}">
+                <a16:creationId xmlns:a16="http://schemas.microsoft.com/office/drawing/2014/main" id="{A0571A84-0282-4C1E-A001-A044D3F3206B}"/>
+              </a:ext>
+            </a:extLst>
+          </p:cNvPr>
+          <p:cNvSpPr txBox="1"/>
+          <p:nvPr/>
+        </p:nvSpPr>
+        <p:spPr>
+          <a:xfrm>
+            <a:off x="2506133" y="635000"/>
+            <a:ext cx="4868334" cy="646331"/>
+          </a:xfrm>
+          <a:prstGeom prst="rect">
+            <a:avLst/>
+          </a:prstGeom>
+          <a:noFill/>
+        </p:spPr>
+        <p:txBody>
+          <a:bodyPr wrap="square" rtlCol="0">
+            <a:spAutoFit/>
+          </a:bodyPr>
+          <a:lstStyle/>
+          <a:p>
+            <a:r>
+              <a:rPr kumimoji="1" lang="ja-JP" altLang="en-US" dirty="0"/>
+              <a:t>３ＱＷをｗ５０から３００までに変えたもの</a:t>
+            </a:r>
+            <a:endParaRPr kumimoji="1" lang="en-US" altLang="ja-JP" dirty="0"/>
+          </a:p>
+          <a:p>
+            <a:r>
+              <a:rPr lang="ja-JP" altLang="en-US" dirty="0"/>
+              <a:t>１０ＱＷはｗ５０，１００</a:t>
+            </a:r>
+            <a:endParaRPr kumimoji="1" lang="ja-JP" altLang="en-US" dirty="0"/>
+          </a:p>
+        </p:txBody>
+      </p:sp>
+    </p:spTree>
+    <p:extLst>
+      <p:ext uri="{BB962C8B-B14F-4D97-AF65-F5344CB8AC3E}">
+        <p14:creationId xmlns:p14="http://schemas.microsoft.com/office/powerpoint/2010/main" val="1863421266"/>
+      </p:ext>
+    </p:extLst>
+  </p:cSld>
+  <p:clrMapOvr>
+    <a:masterClrMapping/>
+  </p:clrMapOvr>
+</p:sld>
+</file>
+
 <file path=ppt/theme/theme1.xml><?xml version="1.0" encoding="utf-8"?>
 <a:theme xmlns:a="http://schemas.openxmlformats.org/drawingml/2006/main" name="Office テーマ">
   <a:themeElements>

--- a/修論/本文0117/figure/fig_3_1_broadcontact_modal_gain.pptx
+++ b/修論/本文0117/figure/fig_3_1_broadcontact_modal_gain.pptx
@@ -5,9 +5,10 @@
     <p:sldMasterId id="2147483648" r:id="rId1"/>
   </p:sldMasterIdLst>
   <p:sldIdLst>
-    <p:sldId id="256" r:id="rId2"/>
-    <p:sldId id="257" r:id="rId3"/>
-    <p:sldId id="258" r:id="rId4"/>
+    <p:sldId id="259" r:id="rId2"/>
+    <p:sldId id="256" r:id="rId3"/>
+    <p:sldId id="257" r:id="rId4"/>
+    <p:sldId id="258" r:id="rId5"/>
   </p:sldIdLst>
   <p:sldSz cx="12192000" cy="6858000"/>
   <p:notesSz cx="6858000" cy="9144000"/>
@@ -272,7 +273,7 @@
           <a:p>
             <a:fld id="{7B2C231C-A4B7-694E-AAA8-A398016C186A}" type="datetimeFigureOut">
               <a:rPr kumimoji="1" lang="ja-JP" altLang="en-US" smtClean="0"/>
-              <a:t>2019/1/31</a:t>
+              <a:t>2019/2/20</a:t>
             </a:fld>
             <a:endParaRPr kumimoji="1" lang="ja-JP" altLang="en-US"/>
           </a:p>
@@ -477,7 +478,7 @@
           <a:p>
             <a:fld id="{7B2C231C-A4B7-694E-AAA8-A398016C186A}" type="datetimeFigureOut">
               <a:rPr kumimoji="1" lang="ja-JP" altLang="en-US" smtClean="0"/>
-              <a:t>2019/1/31</a:t>
+              <a:t>2019/2/20</a:t>
             </a:fld>
             <a:endParaRPr kumimoji="1" lang="ja-JP" altLang="en-US"/>
           </a:p>
@@ -692,7 +693,7 @@
           <a:p>
             <a:fld id="{7B2C231C-A4B7-694E-AAA8-A398016C186A}" type="datetimeFigureOut">
               <a:rPr kumimoji="1" lang="ja-JP" altLang="en-US" smtClean="0"/>
-              <a:t>2019/1/31</a:t>
+              <a:t>2019/2/20</a:t>
             </a:fld>
             <a:endParaRPr kumimoji="1" lang="ja-JP" altLang="en-US"/>
           </a:p>
@@ -897,7 +898,7 @@
           <a:p>
             <a:fld id="{7B2C231C-A4B7-694E-AAA8-A398016C186A}" type="datetimeFigureOut">
               <a:rPr kumimoji="1" lang="ja-JP" altLang="en-US" smtClean="0"/>
-              <a:t>2019/1/31</a:t>
+              <a:t>2019/2/20</a:t>
             </a:fld>
             <a:endParaRPr kumimoji="1" lang="ja-JP" altLang="en-US"/>
           </a:p>
@@ -1207,7 +1208,7 @@
           <a:p>
             <a:fld id="{7B2C231C-A4B7-694E-AAA8-A398016C186A}" type="datetimeFigureOut">
               <a:rPr kumimoji="1" lang="ja-JP" altLang="en-US" smtClean="0"/>
-              <a:t>2019/1/31</a:t>
+              <a:t>2019/2/20</a:t>
             </a:fld>
             <a:endParaRPr kumimoji="1" lang="ja-JP" altLang="en-US"/>
           </a:p>
@@ -1486,7 +1487,7 @@
           <a:p>
             <a:fld id="{7B2C231C-A4B7-694E-AAA8-A398016C186A}" type="datetimeFigureOut">
               <a:rPr kumimoji="1" lang="ja-JP" altLang="en-US" smtClean="0"/>
-              <a:t>2019/1/31</a:t>
+              <a:t>2019/2/20</a:t>
             </a:fld>
             <a:endParaRPr kumimoji="1" lang="ja-JP" altLang="en-US"/>
           </a:p>
@@ -1982,7 +1983,7 @@
           <a:p>
             <a:fld id="{7B2C231C-A4B7-694E-AAA8-A398016C186A}" type="datetimeFigureOut">
               <a:rPr kumimoji="1" lang="ja-JP" altLang="en-US" smtClean="0"/>
-              <a:t>2019/1/31</a:t>
+              <a:t>2019/2/20</a:t>
             </a:fld>
             <a:endParaRPr kumimoji="1" lang="ja-JP" altLang="en-US"/>
           </a:p>
@@ -2123,7 +2124,7 @@
           <a:p>
             <a:fld id="{7B2C231C-A4B7-694E-AAA8-A398016C186A}" type="datetimeFigureOut">
               <a:rPr kumimoji="1" lang="ja-JP" altLang="en-US" smtClean="0"/>
-              <a:t>2019/1/31</a:t>
+              <a:t>2019/2/20</a:t>
             </a:fld>
             <a:endParaRPr kumimoji="1" lang="ja-JP" altLang="en-US"/>
           </a:p>
@@ -2236,7 +2237,7 @@
           <a:p>
             <a:fld id="{7B2C231C-A4B7-694E-AAA8-A398016C186A}" type="datetimeFigureOut">
               <a:rPr kumimoji="1" lang="ja-JP" altLang="en-US" smtClean="0"/>
-              <a:t>2019/1/31</a:t>
+              <a:t>2019/2/20</a:t>
             </a:fld>
             <a:endParaRPr kumimoji="1" lang="ja-JP" altLang="en-US"/>
           </a:p>
@@ -2589,7 +2590,7 @@
           <a:p>
             <a:fld id="{7B2C231C-A4B7-694E-AAA8-A398016C186A}" type="datetimeFigureOut">
               <a:rPr kumimoji="1" lang="ja-JP" altLang="en-US" smtClean="0"/>
-              <a:t>2019/1/31</a:t>
+              <a:t>2019/2/20</a:t>
             </a:fld>
             <a:endParaRPr kumimoji="1" lang="ja-JP" altLang="en-US"/>
           </a:p>
@@ -2912,7 +2913,7 @@
           <a:p>
             <a:fld id="{7B2C231C-A4B7-694E-AAA8-A398016C186A}" type="datetimeFigureOut">
               <a:rPr kumimoji="1" lang="ja-JP" altLang="en-US" smtClean="0"/>
-              <a:t>2019/1/31</a:t>
+              <a:t>2019/2/20</a:t>
             </a:fld>
             <a:endParaRPr kumimoji="1" lang="ja-JP" altLang="en-US"/>
           </a:p>
@@ -3160,7 +3161,7 @@
           <a:p>
             <a:fld id="{7B2C231C-A4B7-694E-AAA8-A398016C186A}" type="datetimeFigureOut">
               <a:rPr kumimoji="1" lang="ja-JP" altLang="en-US" smtClean="0"/>
-              <a:t>2019/1/31</a:t>
+              <a:t>2019/2/20</a:t>
             </a:fld>
             <a:endParaRPr kumimoji="1" lang="ja-JP" altLang="en-US"/>
           </a:p>
@@ -3579,6 +3580,101 @@
       </p:grpSpPr>
       <p:pic>
         <p:nvPicPr>
+          <p:cNvPr id="4" name="図 3">
+            <a:extLst>
+              <a:ext uri="{FF2B5EF4-FFF2-40B4-BE49-F238E27FC236}">
+                <a16:creationId xmlns:a16="http://schemas.microsoft.com/office/drawing/2014/main" id="{105627F8-392B-46F7-9994-27A0DF3E6FE4}"/>
+              </a:ext>
+            </a:extLst>
+          </p:cNvPr>
+          <p:cNvPicPr>
+            <a:picLocks noChangeAspect="1"/>
+          </p:cNvPicPr>
+          <p:nvPr/>
+        </p:nvPicPr>
+        <p:blipFill>
+          <a:blip r:embed="rId2"/>
+          <a:stretch>
+            <a:fillRect/>
+          </a:stretch>
+        </p:blipFill>
+        <p:spPr>
+          <a:xfrm>
+            <a:off x="3733332" y="1691542"/>
+            <a:ext cx="4725335" cy="3474916"/>
+          </a:xfrm>
+          <a:prstGeom prst="rect">
+            <a:avLst/>
+          </a:prstGeom>
+        </p:spPr>
+      </p:pic>
+      <p:sp>
+        <p:nvSpPr>
+          <p:cNvPr id="5" name="テキスト ボックス 4">
+            <a:extLst>
+              <a:ext uri="{FF2B5EF4-FFF2-40B4-BE49-F238E27FC236}">
+                <a16:creationId xmlns:a16="http://schemas.microsoft.com/office/drawing/2014/main" id="{5A1DE602-C2E7-404E-8AB8-4C22220D7003}"/>
+              </a:ext>
+            </a:extLst>
+          </p:cNvPr>
+          <p:cNvSpPr txBox="1"/>
+          <p:nvPr/>
+        </p:nvSpPr>
+        <p:spPr>
+          <a:xfrm>
+            <a:off x="2827867" y="440267"/>
+            <a:ext cx="4318000" cy="369332"/>
+          </a:xfrm>
+          <a:prstGeom prst="rect">
+            <a:avLst/>
+          </a:prstGeom>
+          <a:noFill/>
+        </p:spPr>
+        <p:txBody>
+          <a:bodyPr wrap="square" rtlCol="0">
+            <a:spAutoFit/>
+          </a:bodyPr>
+          <a:lstStyle/>
+          <a:p>
+            <a:r>
+              <a:rPr kumimoji="1" lang="ja-JP" altLang="en-US" dirty="0"/>
+              <a:t>以降のページは左軸の単位間違ってた</a:t>
+            </a:r>
+          </a:p>
+        </p:txBody>
+      </p:sp>
+    </p:spTree>
+    <p:extLst>
+      <p:ext uri="{BB962C8B-B14F-4D97-AF65-F5344CB8AC3E}">
+        <p14:creationId xmlns:p14="http://schemas.microsoft.com/office/powerpoint/2010/main" val="2474088159"/>
+      </p:ext>
+    </p:extLst>
+  </p:cSld>
+  <p:clrMapOvr>
+    <a:masterClrMapping/>
+  </p:clrMapOvr>
+</p:sld>
+</file>
+
+<file path=ppt/slides/slide2.xml><?xml version="1.0" encoding="utf-8"?>
+<p:sld xmlns:a="http://schemas.openxmlformats.org/drawingml/2006/main" xmlns:r="http://schemas.openxmlformats.org/officeDocument/2006/relationships" xmlns:p="http://schemas.openxmlformats.org/presentationml/2006/main">
+  <p:cSld>
+    <p:spTree>
+      <p:nvGrpSpPr>
+        <p:cNvPr id="1" name=""/>
+        <p:cNvGrpSpPr/>
+        <p:nvPr/>
+      </p:nvGrpSpPr>
+      <p:grpSpPr>
+        <a:xfrm>
+          <a:off x="0" y="0"/>
+          <a:ext cx="0" cy="0"/>
+          <a:chOff x="0" y="0"/>
+          <a:chExt cx="0" cy="0"/>
+        </a:xfrm>
+      </p:grpSpPr>
+      <p:pic>
+        <p:nvPicPr>
           <p:cNvPr id="2" name="図 1">
             <a:extLst>
               <a:ext uri="{FF2B5EF4-FFF2-40B4-BE49-F238E27FC236}">
@@ -3620,7 +3716,7 @@
 </p:sld>
 </file>
 
-<file path=ppt/slides/slide2.xml><?xml version="1.0" encoding="utf-8"?>
+<file path=ppt/slides/slide3.xml><?xml version="1.0" encoding="utf-8"?>
 <p:sld xmlns:a="http://schemas.openxmlformats.org/drawingml/2006/main" xmlns:r="http://schemas.openxmlformats.org/officeDocument/2006/relationships" xmlns:p="http://schemas.openxmlformats.org/presentationml/2006/main">
   <p:cSld>
     <p:spTree>
@@ -3715,7 +3811,7 @@
 </p:sld>
 </file>
 
-<file path=ppt/slides/slide3.xml><?xml version="1.0" encoding="utf-8"?>
+<file path=ppt/slides/slide4.xml><?xml version="1.0" encoding="utf-8"?>
 <p:sld xmlns:a="http://schemas.openxmlformats.org/drawingml/2006/main" xmlns:r="http://schemas.openxmlformats.org/officeDocument/2006/relationships" xmlns:p="http://schemas.openxmlformats.org/presentationml/2006/main">
   <p:cSld>
     <p:spTree>
